--- a/lectures/lecture-19/Lecture-Live B00/Lecture 19 - Lecture.pptx
+++ b/lectures/lecture-19/Lecture-Live B00/Lecture 19 - Lecture.pptx
@@ -151,6 +151,134 @@
     </p:ext>
   </p:extLst>
 </p:presentation>
+</file>
+
+<file path=ppt/ink/ink1.xml><?xml version="1.0" encoding="utf-8"?>
+<inkml:ink xmlns:inkml="http://www.w3.org/2003/InkML">
+  <inkml:definitions>
+    <inkml:context xml:id="ctx0">
+      <inkml:inkSource xml:id="inkSrc0">
+        <inkml:traceFormat>
+          <inkml:channel name="X" type="integer" min="-2.14748E9" max="2.14748E9" units="cm"/>
+          <inkml:channel name="Y" type="integer" min="-2.14748E9" max="2.14748E9" units="cm"/>
+          <inkml:channel name="F" type="integer" max="32767" units="dev"/>
+          <inkml:channel name="OA" type="integer" max="360" units="deg"/>
+          <inkml:channel name="OE" type="integer" max="90" units="deg"/>
+        </inkml:traceFormat>
+        <inkml:channelProperties>
+          <inkml:channelProperty channel="X" name="resolution" value="1000" units="1/cm"/>
+          <inkml:channelProperty channel="Y" name="resolution" value="1000" units="1/cm"/>
+          <inkml:channelProperty channel="F" name="resolution" value="0" units="1/dev"/>
+          <inkml:channelProperty channel="OA" name="resolution" value="1000" units="1/deg"/>
+          <inkml:channelProperty channel="OE" name="resolution" value="1000" units="1/deg"/>
+        </inkml:channelProperties>
+      </inkml:inkSource>
+      <inkml:timestamp xml:id="ts0" timeString="2020-11-18T18:00:25.938"/>
+    </inkml:context>
+    <inkml:brush xml:id="br0">
+      <inkml:brushProperty name="width" value="0.05" units="cm"/>
+      <inkml:brushProperty name="height" value="0.05" units="cm"/>
+      <inkml:brushProperty name="color" value="#004F8B"/>
+    </inkml:brush>
+  </inkml:definitions>
+  <inkml:trace contextRef="#ctx0" brushRef="#br0">1 1 9384 0 0,'0'0'430'0'0,"0"0"-8"0"0,17 3 9407 0 0,18 7-6393 0 0,17 5-2860 0 0,-13-9 74 0 0,0-2 0 0 0,41 0 0 0 0,77-11 895 0 0,-102 3-1599 0 0,104-4 119 0 0,59 22 599 0 0,-3 18 671 0 0,-178-26-1318 0 0,17 2 287 0 0,66 1-1 0 0,-90-9 64 0 0,0-1-1 0 0,0-1 0 0 0,54-12 0 0 0,14-14-366 0 0,-91 26 0 0 0,1-1 0 0 0,-1 0 0 0 0,-1-1 0 0 0,11-6 0 0 0,-12 6-19 0 0,-3 0 621 0 0</inkml:trace>
+</inkml:ink>
+</file>
+
+<file path=ppt/ink/ink2.xml><?xml version="1.0" encoding="utf-8"?>
+<inkml:ink xmlns:inkml="http://www.w3.org/2003/InkML">
+  <inkml:definitions>
+    <inkml:context xml:id="ctx0">
+      <inkml:inkSource xml:id="inkSrc0">
+        <inkml:traceFormat>
+          <inkml:channel name="X" type="integer" min="-2.14748E9" max="2.14748E9" units="cm"/>
+          <inkml:channel name="Y" type="integer" min="-2.14748E9" max="2.14748E9" units="cm"/>
+          <inkml:channel name="F" type="integer" max="32767" units="dev"/>
+          <inkml:channel name="OA" type="integer" max="360" units="deg"/>
+          <inkml:channel name="OE" type="integer" max="90" units="deg"/>
+        </inkml:traceFormat>
+        <inkml:channelProperties>
+          <inkml:channelProperty channel="X" name="resolution" value="1000" units="1/cm"/>
+          <inkml:channelProperty channel="Y" name="resolution" value="1000" units="1/cm"/>
+          <inkml:channelProperty channel="F" name="resolution" value="0" units="1/dev"/>
+          <inkml:channelProperty channel="OA" name="resolution" value="1000" units="1/deg"/>
+          <inkml:channelProperty channel="OE" name="resolution" value="1000" units="1/deg"/>
+        </inkml:channelProperties>
+      </inkml:inkSource>
+      <inkml:timestamp xml:id="ts0" timeString="2020-11-18T18:00:27.637"/>
+    </inkml:context>
+    <inkml:brush xml:id="br0">
+      <inkml:brushProperty name="width" value="0.05" units="cm"/>
+      <inkml:brushProperty name="height" value="0.05" units="cm"/>
+      <inkml:brushProperty name="color" value="#004F8B"/>
+    </inkml:brush>
+  </inkml:definitions>
+  <inkml:trace contextRef="#ctx0" brushRef="#br0">34 198 6912 0 0,'0'0'528'0'0,"-18"-3"1581"0"0,18 3-1919 0 0,-1 0-1 0 0,1 0 1 0 0,-1 0-1 0 0,0 0 1 0 0,1 0 0 0 0,-1 0-1 0 0,1 0 1 0 0,-1 0-1 0 0,1 0 1 0 0,-1 0-1 0 0,1 0 1 0 0,-1-1 0 0 0,1 1-1 0 0,-1 0 1 0 0,1 0-1 0 0,-1-1 1 0 0,1 1 0 0 0,-1 0-1 0 0,1-1 1 0 0,-1 1-1 0 0,1 0 1 0 0,-1-1-1 0 0,1 1 1 0 0,0 0 0 0 0,-1-1-1 0 0,1 1 1 0 0,0-1-1 0 0,-1 1 1 0 0,1-1 0 0 0,0 1-1 0 0,0-1 1 0 0,-1 1-1 0 0,1-1 1 0 0,0 1-1 0 0,0-1 1 0 0,0 1 0 0 0,0-1-1 0 0,0 0 1 0 0,0 1-1 0 0,0-1 1 0 0,0 1 0 0 0,0-1-1 0 0,0 1 1 0 0,0-1-1 0 0,0 1 1 0 0,0-1-1 0 0,0 1 1 0 0,0-1 0 0 0,1 0-1 0 0,-1 1 1 0 0,0-1-1 0 0,16-2 1491 0 0,-8 3-1264 0 0,0-1 0 0 0,0 2-1 0 0,1-1 1 0 0,-1 1-1 0 0,0 0 1 0 0,13 4 0 0 0,-3-2-187 0 0,-1 0 1 0 0,1-2 0 0 0,1 0 0 0 0,26-2 0 0 0,74-13 793 0 0,-116 14-993 0 0,352-40 1668 0 0,-162 20-1212 0 0,-102 12-206 0 0,0 4 0 0 0,1 4 0 0 0,-1 4 0 0 0,151 27 0 0 0,-224-28-199 0 0,0-1 0 0 0,1 0 0 0 0,-1-1 0 0 0,1-1 0 0 0,0-1 0 0 0,-1-1 0 0 0,21-4 0 0 0,-33 4-44 0 0,0 0 0 0 0,0-1 0 0 0,0 1-1 0 0,0-1 1 0 0,0 0 0 0 0,6-6 0 0 0,31-25 185 0 0,-11 0-1289 0 0,-26 27 601 0 0,0 0-1 0 0,0 0 0 0 0,1 1 1 0 0,11-9-1 0 0</inkml:trace>
+</inkml:ink>
+</file>
+
+<file path=ppt/ink/ink3.xml><?xml version="1.0" encoding="utf-8"?>
+<inkml:ink xmlns:inkml="http://www.w3.org/2003/InkML">
+  <inkml:definitions>
+    <inkml:context xml:id="ctx0">
+      <inkml:inkSource xml:id="inkSrc0">
+        <inkml:traceFormat>
+          <inkml:channel name="X" type="integer" min="-2.14748E9" max="2.14748E9" units="cm"/>
+          <inkml:channel name="Y" type="integer" min="-2.14748E9" max="2.14748E9" units="cm"/>
+          <inkml:channel name="F" type="integer" max="32767" units="dev"/>
+          <inkml:channel name="OA" type="integer" max="360" units="deg"/>
+          <inkml:channel name="OE" type="integer" max="90" units="deg"/>
+        </inkml:traceFormat>
+        <inkml:channelProperties>
+          <inkml:channelProperty channel="X" name="resolution" value="1000" units="1/cm"/>
+          <inkml:channelProperty channel="Y" name="resolution" value="1000" units="1/cm"/>
+          <inkml:channelProperty channel="F" name="resolution" value="0" units="1/dev"/>
+          <inkml:channelProperty channel="OA" name="resolution" value="1000" units="1/deg"/>
+          <inkml:channelProperty channel="OE" name="resolution" value="1000" units="1/deg"/>
+        </inkml:channelProperties>
+      </inkml:inkSource>
+      <inkml:timestamp xml:id="ts0" timeString="2020-11-18T18:00:30.307"/>
+    </inkml:context>
+    <inkml:brush xml:id="br0">
+      <inkml:brushProperty name="width" value="0.05" units="cm"/>
+      <inkml:brushProperty name="height" value="0.05" units="cm"/>
+      <inkml:brushProperty name="color" value="#004F8B"/>
+    </inkml:brush>
+  </inkml:definitions>
+  <inkml:trace contextRef="#ctx0" brushRef="#br0">48 73 11600 0 0,'-11'8'1264'0'0,"-12"6"578"0"0,9-8 5306 0 0,28-1-6383 0 0,13 3-203 0 0,0-1 0 0 0,0-2-1 0 0,1 0 1 0 0,36 0 0 0 0,-8 0-423 0 0,42 3 790 0 0,49-3-50 0 0,-10 0-363 0 0,304-20 829 0 0,-245 2-751 0 0,73-6-120 0 0,-94 6-150 0 0,110-13 719 0 0,-200 19-1036 0 0,11-4 319 0 0,-91 10-306 0 0,1 0 0 0 0,0-1 1 0 0,0 1-1 0 0,0-1 0 0 0,-1-1 0 0 0,1 1 0 0 0,-1-1 0 0 0,0 0 0 0 0,8-6 0 0 0,-9 7-18 0 0,-3 1-6 0 0,2 0-161 0 0,-1-1 1 0 0,0 1 0 0 0,1-1 0 0 0,-1 1 0 0 0,0-1 0 0 0,0 0 0 0 0,0 0 0 0 0,2-4 0 0 0,1 0-4021 0 0</inkml:trace>
+</inkml:ink>
+</file>
+
+<file path=ppt/ink/ink4.xml><?xml version="1.0" encoding="utf-8"?>
+<inkml:ink xmlns:inkml="http://www.w3.org/2003/InkML">
+  <inkml:definitions>
+    <inkml:context xml:id="ctx0">
+      <inkml:inkSource xml:id="inkSrc0">
+        <inkml:traceFormat>
+          <inkml:channel name="X" type="integer" min="-2.14748E9" max="2.14748E9" units="cm"/>
+          <inkml:channel name="Y" type="integer" min="-2.14748E9" max="2.14748E9" units="cm"/>
+          <inkml:channel name="F" type="integer" max="32767" units="dev"/>
+          <inkml:channel name="OA" type="integer" max="360" units="deg"/>
+          <inkml:channel name="OE" type="integer" max="90" units="deg"/>
+        </inkml:traceFormat>
+        <inkml:channelProperties>
+          <inkml:channelProperty channel="X" name="resolution" value="1000" units="1/cm"/>
+          <inkml:channelProperty channel="Y" name="resolution" value="1000" units="1/cm"/>
+          <inkml:channelProperty channel="F" name="resolution" value="0" units="1/dev"/>
+          <inkml:channelProperty channel="OA" name="resolution" value="1000" units="1/deg"/>
+          <inkml:channelProperty channel="OE" name="resolution" value="1000" units="1/deg"/>
+        </inkml:channelProperties>
+      </inkml:inkSource>
+      <inkml:timestamp xml:id="ts0" timeString="2020-11-18T18:00:36.645"/>
+    </inkml:context>
+    <inkml:brush xml:id="br0">
+      <inkml:brushProperty name="width" value="0.05" units="cm"/>
+      <inkml:brushProperty name="height" value="0.05" units="cm"/>
+      <inkml:brushProperty name="color" value="#004F8B"/>
+    </inkml:brush>
+  </inkml:definitions>
+  <inkml:trace contextRef="#ctx0" brushRef="#br0">1 39 3224 0 0,'0'0'11069'0'0,"8"-15"-7475"0"0,-8 14-3435 0 0,0 0 0 0 0,1 0 0 0 0,-1 0-1 0 0,1 0 1 0 0,-1 1 0 0 0,1-1-1 0 0,-1 0 1 0 0,1 0 0 0 0,0 0-1 0 0,-1 0 1 0 0,1 1 0 0 0,0-1 0 0 0,0 0-1 0 0,-1 1 1 0 0,1-1 0 0 0,0 1-1 0 0,0-1 1 0 0,0 1 0 0 0,0-1 0 0 0,0 1-1 0 0,0-1 1 0 0,1 1 0 0 0,6-4 165 0 0,-6 4-197 0 0,-1-1 0 0 0,1 0 0 0 0,0 1 0 0 0,-1 0 0 0 0,1-1 0 0 0,-1 1 0 0 0,1 0 0 0 0,0 0 0 0 0,-1 0 0 0 0,1 0 0 0 0,0 0 0 0 0,-1 0 0 0 0,1 1 0 0 0,0-1 0 0 0,-1 0 0 0 0,3 2 0 0 0,-2-2 114 0 0,9 5 19 0 0,0-3-51 0 0,1 0 0 0 0,-1 0-1 0 0,0-1 1 0 0,1 0 0 0 0,-1-1 0 0 0,1-1 0 0 0,11-1 0 0 0,23 0 48 0 0,-7 3-151 0 0,49 10 0 0 0,-7-1-19 0 0,-7-7 13 0 0,22 2 109 0 0,2 2-78 0 0,-14-2-98 0 0,153 17 952 0 0,-124-6-920 0 0,-55-7 30 0 0,93 4 0 0 0,333-24 384 0 0,-356 7-498 0 0,149-3 435 0 0,-95 9-211 0 0,-118 3 178 0 0,116 1 289 0 0,-154-7-580 0 0,66-6 329 0 0,-70 3-380 0 0,18-2 98 0 0,42-12 1 0 0,-61 12-155 0 0,-5 2-22 0 0,25-10 1 0 0,-33 11 209 0 0</inkml:trace>
+</inkml:ink>
 </file>
 
 <file path=ppt/notesMasters/notesMaster1.xml><?xml version="1.0" encoding="utf-8"?>
@@ -845,7 +973,7 @@
           <a:p>
             <a:fld id="{3A2BF66F-FEB0-48C1-A8B9-A73F54BB1A08}" type="datetimeFigureOut">
               <a:rPr lang="en-US" smtClean="0"/>
-              <a:t>11/17/2020</a:t>
+              <a:t>11/18/2020</a:t>
             </a:fld>
             <a:endParaRPr lang="en-US"/>
           </a:p>
@@ -1045,7 +1173,7 @@
           <a:p>
             <a:fld id="{3A2BF66F-FEB0-48C1-A8B9-A73F54BB1A08}" type="datetimeFigureOut">
               <a:rPr lang="en-US" smtClean="0"/>
-              <a:t>11/17/2020</a:t>
+              <a:t>11/18/2020</a:t>
             </a:fld>
             <a:endParaRPr lang="en-US"/>
           </a:p>
@@ -1255,7 +1383,7 @@
           <a:p>
             <a:fld id="{3A2BF66F-FEB0-48C1-A8B9-A73F54BB1A08}" type="datetimeFigureOut">
               <a:rPr lang="en-US" smtClean="0"/>
-              <a:t>11/17/2020</a:t>
+              <a:t>11/18/2020</a:t>
             </a:fld>
             <a:endParaRPr lang="en-US"/>
           </a:p>
@@ -1455,7 +1583,7 @@
           <a:p>
             <a:fld id="{3A2BF66F-FEB0-48C1-A8B9-A73F54BB1A08}" type="datetimeFigureOut">
               <a:rPr lang="en-US" smtClean="0"/>
-              <a:t>11/17/2020</a:t>
+              <a:t>11/18/2020</a:t>
             </a:fld>
             <a:endParaRPr lang="en-US"/>
           </a:p>
@@ -1732,7 +1860,7 @@
           <a:p>
             <a:fld id="{3A2BF66F-FEB0-48C1-A8B9-A73F54BB1A08}" type="datetimeFigureOut">
               <a:rPr lang="en-US" smtClean="0"/>
-              <a:t>11/17/2020</a:t>
+              <a:t>11/18/2020</a:t>
             </a:fld>
             <a:endParaRPr lang="en-US"/>
           </a:p>
@@ -1999,7 +2127,7 @@
           <a:p>
             <a:fld id="{3A2BF66F-FEB0-48C1-A8B9-A73F54BB1A08}" type="datetimeFigureOut">
               <a:rPr lang="en-US" smtClean="0"/>
-              <a:t>11/17/2020</a:t>
+              <a:t>11/18/2020</a:t>
             </a:fld>
             <a:endParaRPr lang="en-US"/>
           </a:p>
@@ -2413,7 +2541,7 @@
           <a:p>
             <a:fld id="{3A2BF66F-FEB0-48C1-A8B9-A73F54BB1A08}" type="datetimeFigureOut">
               <a:rPr lang="en-US" smtClean="0"/>
-              <a:t>11/17/2020</a:t>
+              <a:t>11/18/2020</a:t>
             </a:fld>
             <a:endParaRPr lang="en-US"/>
           </a:p>
@@ -2556,7 +2684,7 @@
           <a:p>
             <a:fld id="{3A2BF66F-FEB0-48C1-A8B9-A73F54BB1A08}" type="datetimeFigureOut">
               <a:rPr lang="en-US" smtClean="0"/>
-              <a:t>11/17/2020</a:t>
+              <a:t>11/18/2020</a:t>
             </a:fld>
             <a:endParaRPr lang="en-US"/>
           </a:p>
@@ -2671,7 +2799,7 @@
           <a:p>
             <a:fld id="{3A2BF66F-FEB0-48C1-A8B9-A73F54BB1A08}" type="datetimeFigureOut">
               <a:rPr lang="en-US" smtClean="0"/>
-              <a:t>11/17/2020</a:t>
+              <a:t>11/18/2020</a:t>
             </a:fld>
             <a:endParaRPr lang="en-US"/>
           </a:p>
@@ -2983,7 +3111,7 @@
           <a:p>
             <a:fld id="{3A2BF66F-FEB0-48C1-A8B9-A73F54BB1A08}" type="datetimeFigureOut">
               <a:rPr lang="en-US" smtClean="0"/>
-              <a:t>11/17/2020</a:t>
+              <a:t>11/18/2020</a:t>
             </a:fld>
             <a:endParaRPr lang="en-US"/>
           </a:p>
@@ -3273,7 +3401,7 @@
           <a:p>
             <a:fld id="{3A2BF66F-FEB0-48C1-A8B9-A73F54BB1A08}" type="datetimeFigureOut">
               <a:rPr lang="en-US" smtClean="0"/>
-              <a:t>11/17/2020</a:t>
+              <a:t>11/18/2020</a:t>
             </a:fld>
             <a:endParaRPr lang="en-US"/>
           </a:p>
@@ -3516,7 +3644,7 @@
           <a:p>
             <a:fld id="{3A2BF66F-FEB0-48C1-A8B9-A73F54BB1A08}" type="datetimeFigureOut">
               <a:rPr lang="en-US" smtClean="0"/>
-              <a:t>11/17/2020</a:t>
+              <a:t>11/18/2020</a:t>
             </a:fld>
             <a:endParaRPr lang="en-US"/>
           </a:p>
@@ -4170,6 +4298,12 @@
             <a:endParaRPr lang="en-US" dirty="0"/>
           </a:p>
           <a:p>
+            <a:r>
+              <a:rPr lang="en-US" dirty="0"/>
+              <a:t>Exam 2- see Piazza post</a:t>
+            </a:r>
+          </a:p>
+          <a:p>
             <a:pPr marL="0" indent="0">
               <a:buNone/>
             </a:pPr>
@@ -4177,6 +4311,210 @@
           </a:p>
         </p:txBody>
       </p:sp>
+      <mc:AlternateContent xmlns:mc="http://schemas.openxmlformats.org/markup-compatibility/2006">
+        <mc:Choice xmlns:p14="http://schemas.microsoft.com/office/powerpoint/2010/main" Requires="p14">
+          <p:contentPart p14:bwMode="auto" r:id="rId2">
+            <p14:nvContentPartPr>
+              <p14:cNvPr id="4" name="Ink 3">
+                <a:extLst>
+                  <a:ext uri="{FF2B5EF4-FFF2-40B4-BE49-F238E27FC236}">
+                    <a16:creationId xmlns:a16="http://schemas.microsoft.com/office/drawing/2014/main" id="{BC57015C-9DDE-45D9-83EB-3ADE7B400746}"/>
+                  </a:ext>
+                </a:extLst>
+              </p14:cNvPr>
+              <p14:cNvContentPartPr/>
+              <p14:nvPr/>
+            </p14:nvContentPartPr>
+            <p14:xfrm>
+              <a:off x="2221129" y="1759939"/>
+              <a:ext cx="576720" cy="33480"/>
+            </p14:xfrm>
+          </p:contentPart>
+        </mc:Choice>
+        <mc:Fallback>
+          <p:pic>
+            <p:nvPicPr>
+              <p:cNvPr id="4" name="Ink 3">
+                <a:extLst>
+                  <a:ext uri="{FF2B5EF4-FFF2-40B4-BE49-F238E27FC236}">
+                    <a16:creationId xmlns:a16="http://schemas.microsoft.com/office/drawing/2014/main" id="{BC57015C-9DDE-45D9-83EB-3ADE7B400746}"/>
+                  </a:ext>
+                </a:extLst>
+              </p:cNvPr>
+              <p:cNvPicPr/>
+              <p:nvPr/>
+            </p:nvPicPr>
+            <p:blipFill>
+              <a:blip r:embed="rId3"/>
+              <a:stretch>
+                <a:fillRect/>
+              </a:stretch>
+            </p:blipFill>
+            <p:spPr>
+              <a:xfrm>
+                <a:off x="2212489" y="1751299"/>
+                <a:ext cx="594360" cy="51120"/>
+              </a:xfrm>
+              <a:prstGeom prst="rect">
+                <a:avLst/>
+              </a:prstGeom>
+            </p:spPr>
+          </p:pic>
+        </mc:Fallback>
+      </mc:AlternateContent>
+      <mc:AlternateContent xmlns:mc="http://schemas.openxmlformats.org/markup-compatibility/2006">
+        <mc:Choice xmlns:p14="http://schemas.microsoft.com/office/powerpoint/2010/main" Requires="p14">
+          <p:contentPart p14:bwMode="auto" r:id="rId4">
+            <p14:nvContentPartPr>
+              <p14:cNvPr id="5" name="Ink 4">
+                <a:extLst>
+                  <a:ext uri="{FF2B5EF4-FFF2-40B4-BE49-F238E27FC236}">
+                    <a16:creationId xmlns:a16="http://schemas.microsoft.com/office/drawing/2014/main" id="{D5B66DCE-1059-4955-8512-761886E0E392}"/>
+                  </a:ext>
+                </a:extLst>
+              </p14:cNvPr>
+              <p14:cNvContentPartPr/>
+              <p14:nvPr/>
+            </p14:nvContentPartPr>
+            <p14:xfrm>
+              <a:off x="2314729" y="2092939"/>
+              <a:ext cx="654120" cy="71280"/>
+            </p14:xfrm>
+          </p:contentPart>
+        </mc:Choice>
+        <mc:Fallback>
+          <p:pic>
+            <p:nvPicPr>
+              <p:cNvPr id="5" name="Ink 4">
+                <a:extLst>
+                  <a:ext uri="{FF2B5EF4-FFF2-40B4-BE49-F238E27FC236}">
+                    <a16:creationId xmlns:a16="http://schemas.microsoft.com/office/drawing/2014/main" id="{D5B66DCE-1059-4955-8512-761886E0E392}"/>
+                  </a:ext>
+                </a:extLst>
+              </p:cNvPr>
+              <p:cNvPicPr/>
+              <p:nvPr/>
+            </p:nvPicPr>
+            <p:blipFill>
+              <a:blip r:embed="rId5"/>
+              <a:stretch>
+                <a:fillRect/>
+              </a:stretch>
+            </p:blipFill>
+            <p:spPr>
+              <a:xfrm>
+                <a:off x="2306089" y="2084299"/>
+                <a:ext cx="671760" cy="88920"/>
+              </a:xfrm>
+              <a:prstGeom prst="rect">
+                <a:avLst/>
+              </a:prstGeom>
+            </p:spPr>
+          </p:pic>
+        </mc:Fallback>
+      </mc:AlternateContent>
+      <mc:AlternateContent xmlns:mc="http://schemas.openxmlformats.org/markup-compatibility/2006">
+        <mc:Choice xmlns:p14="http://schemas.microsoft.com/office/powerpoint/2010/main" Requires="p14">
+          <p:contentPart p14:bwMode="auto" r:id="rId6">
+            <p14:nvContentPartPr>
+              <p14:cNvPr id="6" name="Ink 5">
+                <a:extLst>
+                  <a:ext uri="{FF2B5EF4-FFF2-40B4-BE49-F238E27FC236}">
+                    <a16:creationId xmlns:a16="http://schemas.microsoft.com/office/drawing/2014/main" id="{5C2C9B15-0ECF-493A-BDA7-C41192A6224E}"/>
+                  </a:ext>
+                </a:extLst>
+              </p14:cNvPr>
+              <p14:cNvContentPartPr/>
+              <p14:nvPr/>
+            </p14:nvContentPartPr>
+            <p14:xfrm>
+              <a:off x="1789489" y="2554099"/>
+              <a:ext cx="816120" cy="57240"/>
+            </p14:xfrm>
+          </p:contentPart>
+        </mc:Choice>
+        <mc:Fallback>
+          <p:pic>
+            <p:nvPicPr>
+              <p:cNvPr id="6" name="Ink 5">
+                <a:extLst>
+                  <a:ext uri="{FF2B5EF4-FFF2-40B4-BE49-F238E27FC236}">
+                    <a16:creationId xmlns:a16="http://schemas.microsoft.com/office/drawing/2014/main" id="{5C2C9B15-0ECF-493A-BDA7-C41192A6224E}"/>
+                  </a:ext>
+                </a:extLst>
+              </p:cNvPr>
+              <p:cNvPicPr/>
+              <p:nvPr/>
+            </p:nvPicPr>
+            <p:blipFill>
+              <a:blip r:embed="rId7"/>
+              <a:stretch>
+                <a:fillRect/>
+              </a:stretch>
+            </p:blipFill>
+            <p:spPr>
+              <a:xfrm>
+                <a:off x="1780489" y="2545099"/>
+                <a:ext cx="833760" cy="74880"/>
+              </a:xfrm>
+              <a:prstGeom prst="rect">
+                <a:avLst/>
+              </a:prstGeom>
+            </p:spPr>
+          </p:pic>
+        </mc:Fallback>
+      </mc:AlternateContent>
+      <mc:AlternateContent xmlns:mc="http://schemas.openxmlformats.org/markup-compatibility/2006">
+        <mc:Choice xmlns:p14="http://schemas.microsoft.com/office/powerpoint/2010/main" Requires="p14">
+          <p:contentPart p14:bwMode="auto" r:id="rId8">
+            <p14:nvContentPartPr>
+              <p14:cNvPr id="7" name="Ink 6">
+                <a:extLst>
+                  <a:ext uri="{FF2B5EF4-FFF2-40B4-BE49-F238E27FC236}">
+                    <a16:creationId xmlns:a16="http://schemas.microsoft.com/office/drawing/2014/main" id="{60A98AAD-6AB2-4386-BE0B-3741420D471B}"/>
+                  </a:ext>
+                </a:extLst>
+              </p14:cNvPr>
+              <p14:cNvContentPartPr/>
+              <p14:nvPr/>
+            </p14:nvContentPartPr>
+            <p14:xfrm>
+              <a:off x="2262889" y="3002659"/>
+              <a:ext cx="1082880" cy="41040"/>
+            </p14:xfrm>
+          </p:contentPart>
+        </mc:Choice>
+        <mc:Fallback>
+          <p:pic>
+            <p:nvPicPr>
+              <p:cNvPr id="7" name="Ink 6">
+                <a:extLst>
+                  <a:ext uri="{FF2B5EF4-FFF2-40B4-BE49-F238E27FC236}">
+                    <a16:creationId xmlns:a16="http://schemas.microsoft.com/office/drawing/2014/main" id="{60A98AAD-6AB2-4386-BE0B-3741420D471B}"/>
+                  </a:ext>
+                </a:extLst>
+              </p:cNvPr>
+              <p:cNvPicPr/>
+              <p:nvPr/>
+            </p:nvPicPr>
+            <p:blipFill>
+              <a:blip r:embed="rId9"/>
+              <a:stretch>
+                <a:fillRect/>
+              </a:stretch>
+            </p:blipFill>
+            <p:spPr>
+              <a:xfrm>
+                <a:off x="2254249" y="2994019"/>
+                <a:ext cx="1100520" cy="58680"/>
+              </a:xfrm>
+              <a:prstGeom prst="rect">
+                <a:avLst/>
+              </a:prstGeom>
+            </p:spPr>
+          </p:pic>
+        </mc:Fallback>
+      </mc:AlternateContent>
     </p:spTree>
     <p:extLst>
       <p:ext uri="{BB962C8B-B14F-4D97-AF65-F5344CB8AC3E}">
